--- a/Poster Doktorandentag_deutsch.pptx
+++ b/Poster Doktorandentag_deutsch.pptx
@@ -106,7 +106,7 @@
   </p:defaultTextStyle>
   <p:extLst>
     <p:ext uri="{EFAFB233-063F-42B5-8137-9DF3F51BA10A}">
-      <p15:sldGuideLst xmlns:p15="http://schemas.microsoft.com/office/powerpoint/2012/main" xmlns="">
+      <p15:sldGuideLst xmlns="" xmlns:p15="http://schemas.microsoft.com/office/powerpoint/2012/main">
         <p15:guide id="1" orient="horz" pos="13483">
           <p15:clr>
             <a:srgbClr val="A4A3A4"/>
@@ -302,7 +302,7 @@
           <a:p>
             <a:fld id="{97D3E074-0CB5-4F37-8241-C03793FE3BFA}" type="datetimeFigureOut">
               <a:rPr lang="de-DE" smtClean="0"/>
-              <a:t>21.10.2019</a:t>
+              <a:t>22.10.2019</a:t>
             </a:fld>
             <a:endParaRPr lang="de-DE" dirty="0"/>
           </a:p>
@@ -470,7 +470,7 @@
           <a:p>
             <a:fld id="{97D3E074-0CB5-4F37-8241-C03793FE3BFA}" type="datetimeFigureOut">
               <a:rPr lang="de-DE" smtClean="0"/>
-              <a:t>21.10.2019</a:t>
+              <a:t>22.10.2019</a:t>
             </a:fld>
             <a:endParaRPr lang="de-DE" dirty="0"/>
           </a:p>
@@ -648,7 +648,7 @@
           <a:p>
             <a:fld id="{97D3E074-0CB5-4F37-8241-C03793FE3BFA}" type="datetimeFigureOut">
               <a:rPr lang="de-DE" smtClean="0"/>
-              <a:t>21.10.2019</a:t>
+              <a:t>22.10.2019</a:t>
             </a:fld>
             <a:endParaRPr lang="de-DE" dirty="0"/>
           </a:p>
@@ -816,7 +816,7 @@
           <a:p>
             <a:fld id="{97D3E074-0CB5-4F37-8241-C03793FE3BFA}" type="datetimeFigureOut">
               <a:rPr lang="de-DE" smtClean="0"/>
-              <a:t>21.10.2019</a:t>
+              <a:t>22.10.2019</a:t>
             </a:fld>
             <a:endParaRPr lang="de-DE" dirty="0"/>
           </a:p>
@@ -1061,7 +1061,7 @@
           <a:p>
             <a:fld id="{97D3E074-0CB5-4F37-8241-C03793FE3BFA}" type="datetimeFigureOut">
               <a:rPr lang="de-DE" smtClean="0"/>
-              <a:t>21.10.2019</a:t>
+              <a:t>22.10.2019</a:t>
             </a:fld>
             <a:endParaRPr lang="de-DE" dirty="0"/>
           </a:p>
@@ -1346,7 +1346,7 @@
           <a:p>
             <a:fld id="{97D3E074-0CB5-4F37-8241-C03793FE3BFA}" type="datetimeFigureOut">
               <a:rPr lang="de-DE" smtClean="0"/>
-              <a:t>21.10.2019</a:t>
+              <a:t>22.10.2019</a:t>
             </a:fld>
             <a:endParaRPr lang="de-DE" dirty="0"/>
           </a:p>
@@ -1765,7 +1765,7 @@
           <a:p>
             <a:fld id="{97D3E074-0CB5-4F37-8241-C03793FE3BFA}" type="datetimeFigureOut">
               <a:rPr lang="de-DE" smtClean="0"/>
-              <a:t>21.10.2019</a:t>
+              <a:t>22.10.2019</a:t>
             </a:fld>
             <a:endParaRPr lang="de-DE" dirty="0"/>
           </a:p>
@@ -1882,7 +1882,7 @@
           <a:p>
             <a:fld id="{97D3E074-0CB5-4F37-8241-C03793FE3BFA}" type="datetimeFigureOut">
               <a:rPr lang="de-DE" smtClean="0"/>
-              <a:t>21.10.2019</a:t>
+              <a:t>22.10.2019</a:t>
             </a:fld>
             <a:endParaRPr lang="de-DE" dirty="0"/>
           </a:p>
@@ -1977,7 +1977,7 @@
           <a:p>
             <a:fld id="{97D3E074-0CB5-4F37-8241-C03793FE3BFA}" type="datetimeFigureOut">
               <a:rPr lang="de-DE" smtClean="0"/>
-              <a:t>21.10.2019</a:t>
+              <a:t>22.10.2019</a:t>
             </a:fld>
             <a:endParaRPr lang="de-DE" dirty="0"/>
           </a:p>
@@ -2252,7 +2252,7 @@
           <a:p>
             <a:fld id="{97D3E074-0CB5-4F37-8241-C03793FE3BFA}" type="datetimeFigureOut">
               <a:rPr lang="de-DE" smtClean="0"/>
-              <a:t>21.10.2019</a:t>
+              <a:t>22.10.2019</a:t>
             </a:fld>
             <a:endParaRPr lang="de-DE" dirty="0"/>
           </a:p>
@@ -2504,7 +2504,7 @@
           <a:p>
             <a:fld id="{97D3E074-0CB5-4F37-8241-C03793FE3BFA}" type="datetimeFigureOut">
               <a:rPr lang="de-DE" smtClean="0"/>
-              <a:t>21.10.2019</a:t>
+              <a:t>22.10.2019</a:t>
             </a:fld>
             <a:endParaRPr lang="de-DE" dirty="0"/>
           </a:p>
@@ -2733,7 +2733,7 @@
           <a:p>
             <a:fld id="{97D3E074-0CB5-4F37-8241-C03793FE3BFA}" type="datetimeFigureOut">
               <a:rPr lang="de-DE" smtClean="0"/>
-              <a:t>21.10.2019</a:t>
+              <a:t>22.10.2019</a:t>
             </a:fld>
             <a:endParaRPr lang="de-DE" dirty="0"/>
           </a:p>
@@ -3887,11 +3887,27 @@
             </a:r>
             <a:r>
               <a:rPr lang="de-DE" sz="2800" dirty="0"/>
-              <a:t>die theoretischen Grundlagen der Gasmesstechnik zu lernen, um zu verstehen wie ein Gassensor funktioniert, und wie </a:t>
+              <a:t>die theoretischen Grundlagen der Gasmesstechnik zu lernen, um zu verstehen </a:t>
             </a:r>
             <a:r>
               <a:rPr lang="de-DE" sz="2800" dirty="0" smtClean="0"/>
-              <a:t>diese kalibriert werden können. </a:t>
+              <a:t>wie Halbleiter </a:t>
+            </a:r>
+            <a:r>
+              <a:rPr lang="de-DE" sz="2800" smtClean="0"/>
+              <a:t>Gassensoren funktionieren </a:t>
+            </a:r>
+            <a:r>
+              <a:rPr lang="de-DE" sz="2800"/>
+              <a:t>und </a:t>
+            </a:r>
+            <a:r>
+              <a:rPr lang="de-DE" sz="2800" smtClean="0"/>
+              <a:t>kalibriert </a:t>
+            </a:r>
+            <a:r>
+              <a:rPr lang="de-DE" sz="2800" dirty="0" smtClean="0"/>
+              <a:t>werden können. </a:t>
             </a:r>
             <a:endParaRPr lang="de-DE" sz="2800" dirty="0"/>
           </a:p>
@@ -4317,7 +4333,7 @@
           <p:cNvPr id="2" name="Rechteck 1">
             <a:extLst>
               <a:ext uri="{FF2B5EF4-FFF2-40B4-BE49-F238E27FC236}">
-                <a16:creationId xmlns:a16="http://schemas.microsoft.com/office/drawing/2014/main" xmlns="" id="{1880F7FF-10DF-4EE5-9B2D-9F2CB3806D10}"/>
+                <a16:creationId xmlns="" xmlns:a16="http://schemas.microsoft.com/office/drawing/2014/main" id="{1880F7FF-10DF-4EE5-9B2D-9F2CB3806D10}"/>
               </a:ext>
             </a:extLst>
           </p:cNvPr>
@@ -4461,7 +4477,7 @@
           <p:cNvPr id="3" name="Rechteck 2">
             <a:extLst>
               <a:ext uri="{FF2B5EF4-FFF2-40B4-BE49-F238E27FC236}">
-                <a16:creationId xmlns:a16="http://schemas.microsoft.com/office/drawing/2014/main" xmlns="" id="{AA1A539B-C529-443D-AC45-8861F749813F}"/>
+                <a16:creationId xmlns="" xmlns:a16="http://schemas.microsoft.com/office/drawing/2014/main" id="{AA1A539B-C529-443D-AC45-8861F749813F}"/>
               </a:ext>
             </a:extLst>
           </p:cNvPr>
@@ -4844,7 +4860,7 @@
           <p:cNvPr id="95" name="Rechteck 94">
             <a:extLst>
               <a:ext uri="{FF2B5EF4-FFF2-40B4-BE49-F238E27FC236}">
-                <a16:creationId xmlns:a16="http://schemas.microsoft.com/office/drawing/2014/main" xmlns="" id="{6E4C0A0D-F939-4597-BAC6-DEF83923F623}"/>
+                <a16:creationId xmlns="" xmlns:a16="http://schemas.microsoft.com/office/drawing/2014/main" id="{6E4C0A0D-F939-4597-BAC6-DEF83923F623}"/>
               </a:ext>
             </a:extLst>
           </p:cNvPr>
@@ -5474,7 +5490,7 @@
           <p:cNvPr id="13" name="Rechteck 12">
             <a:extLst>
               <a:ext uri="{FF2B5EF4-FFF2-40B4-BE49-F238E27FC236}">
-                <a16:creationId xmlns:a16="http://schemas.microsoft.com/office/drawing/2014/main" xmlns="" id="{CAFC0BEF-CA38-4D02-BF61-346337F923BE}"/>
+                <a16:creationId xmlns="" xmlns:a16="http://schemas.microsoft.com/office/drawing/2014/main" id="{CAFC0BEF-CA38-4D02-BF61-346337F923BE}"/>
               </a:ext>
             </a:extLst>
           </p:cNvPr>
@@ -5741,7 +5757,7 @@
           <p:cNvPr id="105" name="Rechteck 104">
             <a:extLst>
               <a:ext uri="{FF2B5EF4-FFF2-40B4-BE49-F238E27FC236}">
-                <a16:creationId xmlns:a16="http://schemas.microsoft.com/office/drawing/2014/main" xmlns="" id="{47D597BE-B4D3-421F-9622-B242DCEA6693}"/>
+                <a16:creationId xmlns="" xmlns:a16="http://schemas.microsoft.com/office/drawing/2014/main" id="{47D597BE-B4D3-421F-9622-B242DCEA6693}"/>
               </a:ext>
             </a:extLst>
           </p:cNvPr>
@@ -5948,7 +5964,7 @@
           <p:cNvPr id="106" name="Rechteck 105">
             <a:extLst>
               <a:ext uri="{FF2B5EF4-FFF2-40B4-BE49-F238E27FC236}">
-                <a16:creationId xmlns:a16="http://schemas.microsoft.com/office/drawing/2014/main" xmlns="" id="{07E0B696-6DE7-41BB-8D69-079DAFAA4B80}"/>
+                <a16:creationId xmlns="" xmlns:a16="http://schemas.microsoft.com/office/drawing/2014/main" id="{07E0B696-6DE7-41BB-8D69-079DAFAA4B80}"/>
               </a:ext>
             </a:extLst>
           </p:cNvPr>
@@ -6114,7 +6130,7 @@
           <p:cNvPr id="14" name="Textfeld 13">
             <a:extLst>
               <a:ext uri="{FF2B5EF4-FFF2-40B4-BE49-F238E27FC236}">
-                <a16:creationId xmlns:a16="http://schemas.microsoft.com/office/drawing/2014/main" xmlns="" id="{4069B199-1ED7-44AE-9430-826F6929E0F6}"/>
+                <a16:creationId xmlns="" xmlns:a16="http://schemas.microsoft.com/office/drawing/2014/main" id="{4069B199-1ED7-44AE-9430-826F6929E0F6}"/>
               </a:ext>
             </a:extLst>
           </p:cNvPr>
@@ -6190,7 +6206,7 @@
           <p:cNvPr id="109" name="Rechteck 108">
             <a:extLst>
               <a:ext uri="{FF2B5EF4-FFF2-40B4-BE49-F238E27FC236}">
-                <a16:creationId xmlns:a16="http://schemas.microsoft.com/office/drawing/2014/main" xmlns="" id="{2C36DA58-1095-44B6-A237-A985CA82A382}"/>
+                <a16:creationId xmlns="" xmlns:a16="http://schemas.microsoft.com/office/drawing/2014/main" id="{2C36DA58-1095-44B6-A237-A985CA82A382}"/>
               </a:ext>
             </a:extLst>
           </p:cNvPr>
@@ -6292,7 +6308,7 @@
         <p:spPr>
           <a:xfrm>
             <a:off x="16343680" y="35291595"/>
-            <a:ext cx="10660553" cy="1415772"/>
+            <a:ext cx="10795752" cy="1415772"/>
           </a:xfrm>
           <a:prstGeom prst="rect">
             <a:avLst/>
@@ -6394,7 +6410,7 @@
           <p:cNvPr id="115" name="Rechteck 114">
             <a:extLst>
               <a:ext uri="{FF2B5EF4-FFF2-40B4-BE49-F238E27FC236}">
-                <a16:creationId xmlns:a16="http://schemas.microsoft.com/office/drawing/2014/main" xmlns="" id="{43798406-D3EA-4F44-AA55-169441B05A33}"/>
+                <a16:creationId xmlns="" xmlns:a16="http://schemas.microsoft.com/office/drawing/2014/main" id="{43798406-D3EA-4F44-AA55-169441B05A33}"/>
               </a:ext>
             </a:extLst>
           </p:cNvPr>
@@ -6448,7 +6464,7 @@
           <p:cNvPr id="116" name="Rechteck 115">
             <a:extLst>
               <a:ext uri="{FF2B5EF4-FFF2-40B4-BE49-F238E27FC236}">
-                <a16:creationId xmlns:a16="http://schemas.microsoft.com/office/drawing/2014/main" xmlns="" id="{C09821F3-BC15-4F87-B341-EDE240728EEC}"/>
+                <a16:creationId xmlns="" xmlns:a16="http://schemas.microsoft.com/office/drawing/2014/main" id="{C09821F3-BC15-4F87-B341-EDE240728EEC}"/>
               </a:ext>
             </a:extLst>
           </p:cNvPr>
@@ -6502,7 +6518,7 @@
           <p:cNvPr id="20" name="Rechteck 19">
             <a:extLst>
               <a:ext uri="{FF2B5EF4-FFF2-40B4-BE49-F238E27FC236}">
-                <a16:creationId xmlns:a16="http://schemas.microsoft.com/office/drawing/2014/main" xmlns="" id="{4AA437C5-5A53-46AA-81A7-3D16E705D575}"/>
+                <a16:creationId xmlns="" xmlns:a16="http://schemas.microsoft.com/office/drawing/2014/main" id="{4AA437C5-5A53-46AA-81A7-3D16E705D575}"/>
               </a:ext>
             </a:extLst>
           </p:cNvPr>

--- a/Poster Doktorandentag_deutsch.pptx
+++ b/Poster Doktorandentag_deutsch.pptx
@@ -3205,8 +3205,8 @@
         </p:nvSpPr>
         <p:spPr>
           <a:xfrm>
-            <a:off x="2270359" y="1218124"/>
-            <a:ext cx="25812484" cy="4344378"/>
+            <a:off x="2270359" y="881982"/>
+            <a:ext cx="25812484" cy="4680520"/>
           </a:xfrm>
           <a:prstGeom prst="roundRect">
             <a:avLst/>
@@ -3242,55 +3242,6 @@
           <a:p>
             <a:pPr algn="ctr"/>
             <a:endParaRPr lang="de-DE" dirty="0"/>
-          </a:p>
-        </p:txBody>
-      </p:sp>
-      <p:sp>
-        <p:nvSpPr>
-          <p:cNvPr id="17" name="Textfeld 16"/>
-          <p:cNvSpPr txBox="1"/>
-          <p:nvPr/>
-        </p:nvSpPr>
-        <p:spPr>
-          <a:xfrm>
-            <a:off x="2270359" y="1435932"/>
-            <a:ext cx="25812484" cy="3908762"/>
-          </a:xfrm>
-          <a:prstGeom prst="rect">
-            <a:avLst/>
-          </a:prstGeom>
-          <a:noFill/>
-        </p:spPr>
-        <p:txBody>
-          <a:bodyPr wrap="square" rtlCol="0">
-            <a:spAutoFit/>
-          </a:bodyPr>
-          <a:lstStyle/>
-          <a:p>
-            <a:pPr algn="ctr"/>
-            <a:r>
-              <a:rPr lang="de-DE" sz="8000" dirty="0" err="1"/>
-              <a:t>Citizen</a:t>
-            </a:r>
-            <a:r>
-              <a:rPr lang="de-DE" sz="8000" dirty="0"/>
-              <a:t> Science für Schüler*innen - Umweltstudien mit mobiler Messtechnik</a:t>
-            </a:r>
-          </a:p>
-          <a:p>
-            <a:pPr algn="ctr"/>
-            <a:r>
-              <a:rPr lang="de-DE" sz="4400" dirty="0"/>
-              <a:t>Sebastian Höfner, Prof. Dr. Andreas Schütze</a:t>
-            </a:r>
-          </a:p>
-          <a:p>
-            <a:pPr algn="ctr"/>
-            <a:r>
-              <a:rPr lang="de-DE" sz="4400" dirty="0"/>
-              <a:t>Lehrstuhl für Messtechnik, Universität des Saarlandes, Saarbrücken DE</a:t>
-            </a:r>
-            <a:endParaRPr lang="de-DE" sz="4000" dirty="0"/>
           </a:p>
         </p:txBody>
       </p:sp>
@@ -3891,23 +3842,15 @@
             </a:r>
             <a:r>
               <a:rPr lang="de-DE" sz="2800" dirty="0" smtClean="0"/>
-              <a:t>wie Halbleiter </a:t>
-            </a:r>
-            <a:r>
-              <a:rPr lang="de-DE" sz="2800" smtClean="0"/>
-              <a:t>Gassensoren funktionieren </a:t>
-            </a:r>
-            <a:r>
-              <a:rPr lang="de-DE" sz="2800"/>
+              <a:t>wie Halbleiter Gassensoren funktionieren </a:t>
+            </a:r>
+            <a:r>
+              <a:rPr lang="de-DE" sz="2800" dirty="0"/>
               <a:t>und </a:t>
             </a:r>
             <a:r>
-              <a:rPr lang="de-DE" sz="2800" smtClean="0"/>
-              <a:t>kalibriert </a:t>
-            </a:r>
-            <a:r>
               <a:rPr lang="de-DE" sz="2800" dirty="0" smtClean="0"/>
-              <a:t>werden können. </a:t>
+              <a:t>kalibriert werden können. </a:t>
             </a:r>
             <a:endParaRPr lang="de-DE" sz="2800" dirty="0"/>
           </a:p>
@@ -3983,8 +3926,8 @@
         </p:blipFill>
         <p:spPr bwMode="auto">
           <a:xfrm>
-            <a:off x="25101492" y="2599791"/>
-            <a:ext cx="2748253" cy="2748253"/>
+            <a:off x="24716876" y="2215175"/>
+            <a:ext cx="3132869" cy="3132869"/>
           </a:xfrm>
           <a:prstGeom prst="rect">
             <a:avLst/>
@@ -4024,8 +3967,8 @@
         </p:blipFill>
         <p:spPr bwMode="auto">
           <a:xfrm>
-            <a:off x="2538587" y="2599791"/>
-            <a:ext cx="3659651" cy="2680049"/>
+            <a:off x="2693818" y="2484864"/>
+            <a:ext cx="3826694" cy="2802379"/>
           </a:xfrm>
           <a:prstGeom prst="rect">
             <a:avLst/>
@@ -7228,6 +7171,139 @@
           </a:fontRef>
         </p:style>
       </p:cxnSp>
+      <p:sp>
+        <p:nvSpPr>
+          <p:cNvPr id="17" name="Textfeld 16"/>
+          <p:cNvSpPr txBox="1"/>
+          <p:nvPr/>
+        </p:nvSpPr>
+        <p:spPr>
+          <a:xfrm>
+            <a:off x="2233746" y="944695"/>
+            <a:ext cx="25812484" cy="4555093"/>
+          </a:xfrm>
+          <a:prstGeom prst="rect">
+            <a:avLst/>
+          </a:prstGeom>
+          <a:noFill/>
+        </p:spPr>
+        <p:txBody>
+          <a:bodyPr wrap="square" rtlCol="0">
+            <a:spAutoFit/>
+          </a:bodyPr>
+          <a:lstStyle/>
+          <a:p>
+            <a:pPr algn="ctr"/>
+            <a:r>
+              <a:rPr lang="de-DE" sz="8000" dirty="0" err="1"/>
+              <a:t>Citizen</a:t>
+            </a:r>
+            <a:r>
+              <a:rPr lang="de-DE" sz="8000" dirty="0"/>
+              <a:t> Science für Schüler*innen - Umweltstudien mit mobiler Messtechnik</a:t>
+            </a:r>
+          </a:p>
+          <a:p>
+            <a:pPr algn="ctr">
+              <a:spcAft>
+                <a:spcPts val="600"/>
+              </a:spcAft>
+            </a:pPr>
+            <a:r>
+              <a:rPr lang="de-DE" sz="4000" dirty="0"/>
+              <a:t>Sebastian </a:t>
+            </a:r>
+            <a:r>
+              <a:rPr lang="de-DE" sz="4000" dirty="0" smtClean="0"/>
+              <a:t>Höfner</a:t>
+            </a:r>
+            <a:r>
+              <a:rPr lang="de-DE" sz="4000" baseline="30000" dirty="0" smtClean="0"/>
+              <a:t>1</a:t>
+            </a:r>
+            <a:r>
+              <a:rPr lang="de-DE" sz="4000" dirty="0" smtClean="0"/>
+              <a:t>, Andreas Schütze</a:t>
+            </a:r>
+            <a:r>
+              <a:rPr lang="de-DE" sz="4000" baseline="30000" dirty="0" smtClean="0"/>
+              <a:t>1</a:t>
+            </a:r>
+            <a:r>
+              <a:rPr lang="de-DE" sz="4000" dirty="0" smtClean="0"/>
+              <a:t>, Michael Hirth</a:t>
+            </a:r>
+            <a:r>
+              <a:rPr lang="de-DE" sz="4000" baseline="30000" dirty="0" smtClean="0"/>
+              <a:t>2</a:t>
+            </a:r>
+            <a:r>
+              <a:rPr lang="de-DE" sz="4000" dirty="0" smtClean="0"/>
+              <a:t>, Jochen Kuhn</a:t>
+            </a:r>
+            <a:r>
+              <a:rPr lang="de-DE" sz="4000" baseline="30000" dirty="0" smtClean="0"/>
+              <a:t>2</a:t>
+            </a:r>
+            <a:r>
+              <a:rPr lang="de-DE" sz="4000" dirty="0" smtClean="0"/>
+              <a:t>, Benjamin Brück</a:t>
+            </a:r>
+            <a:r>
+              <a:rPr lang="de-DE" sz="4000" baseline="30000" dirty="0" smtClean="0"/>
+              <a:t>3</a:t>
+            </a:r>
+            <a:endParaRPr lang="de-DE" sz="4000" baseline="30000" dirty="0"/>
+          </a:p>
+          <a:p>
+            <a:pPr algn="ctr"/>
+            <a:r>
+              <a:rPr lang="de-DE" sz="2800" baseline="30000" dirty="0" smtClean="0"/>
+              <a:t>1</a:t>
+            </a:r>
+            <a:r>
+              <a:rPr lang="de-DE" sz="2800" dirty="0" smtClean="0"/>
+              <a:t>Lehrstuhl </a:t>
+            </a:r>
+            <a:r>
+              <a:rPr lang="de-DE" sz="2800" dirty="0"/>
+              <a:t>für Messtechnik, Universität des </a:t>
+            </a:r>
+            <a:r>
+              <a:rPr lang="de-DE" sz="2800" dirty="0" smtClean="0"/>
+              <a:t>Saarlandes, Saarbrücken DE</a:t>
+            </a:r>
+          </a:p>
+          <a:p>
+            <a:pPr algn="ctr"/>
+            <a:r>
+              <a:rPr lang="de-DE" sz="2800" baseline="30000" dirty="0" smtClean="0"/>
+              <a:t>2</a:t>
+            </a:r>
+            <a:r>
+              <a:rPr lang="de-DE" sz="2800" dirty="0" smtClean="0"/>
+              <a:t>AG Didaktik der Physik, Technische Universität Kaiserslautern, Kaiserslautern </a:t>
+            </a:r>
+            <a:r>
+              <a:rPr lang="de-DE" sz="2800" dirty="0"/>
+              <a:t>DE</a:t>
+            </a:r>
+            <a:endParaRPr lang="de-DE" sz="2400" dirty="0"/>
+          </a:p>
+          <a:p>
+            <a:pPr algn="ctr"/>
+            <a:r>
+              <a:rPr lang="de-DE" sz="2800" baseline="30000" dirty="0" smtClean="0"/>
+              <a:t>3</a:t>
+            </a:r>
+            <a:r>
+              <a:rPr lang="de-DE" sz="2800" dirty="0" smtClean="0"/>
+              <a:t>Schülerforschungszentrum Saarlouis, Saarlouis DE</a:t>
+            </a:r>
+            <a:endParaRPr lang="de-DE" sz="3200" dirty="0"/>
+          </a:p>
+        </p:txBody>
+      </p:sp>
     </p:spTree>
     <p:extLst>
       <p:ext uri="{BB962C8B-B14F-4D97-AF65-F5344CB8AC3E}">
